--- a/Documentation/PI/Apresentação.pptx
+++ b/Documentation/PI/Apresentação.pptx
@@ -4,12 +4,16 @@
   <p:sldMasterIdLst>
     <p:sldMasterId id="2147483648" r:id="rId1"/>
   </p:sldMasterIdLst>
+  <p:notesMasterIdLst>
+    <p:notesMasterId r:id="rId8"/>
+  </p:notesMasterIdLst>
   <p:sldIdLst>
     <p:sldId id="256" r:id="rId2"/>
     <p:sldId id="257" r:id="rId3"/>
     <p:sldId id="258" r:id="rId4"/>
     <p:sldId id="260" r:id="rId5"/>
     <p:sldId id="259" r:id="rId6"/>
+    <p:sldId id="261" r:id="rId7"/>
   </p:sldIdLst>
   <p:sldSz cx="12192000" cy="6858000"/>
   <p:notesSz cx="6858000" cy="9144000"/>
@@ -120,6 +124,355 @@
 <p1510:revInfo xmlns:a="http://schemas.openxmlformats.org/drawingml/2006/main" xmlns:r="http://schemas.openxmlformats.org/officeDocument/2006/relationships" xmlns:p1510="http://schemas.microsoft.com/office/powerpoint/2015/10/main"/>
 </file>
 
+<file path=ppt/notesMasters/notesMaster1.xml><?xml version="1.0" encoding="utf-8"?>
+<p:notesMaster xmlns:a="http://schemas.openxmlformats.org/drawingml/2006/main" xmlns:r="http://schemas.openxmlformats.org/officeDocument/2006/relationships" xmlns:p="http://schemas.openxmlformats.org/presentationml/2006/main">
+  <p:cSld>
+    <p:bg>
+      <p:bgRef idx="1001">
+        <a:schemeClr val="bg1"/>
+      </p:bgRef>
+    </p:bg>
+    <p:spTree>
+      <p:nvGrpSpPr>
+        <p:cNvPr id="1" name=""/>
+        <p:cNvGrpSpPr/>
+        <p:nvPr/>
+      </p:nvGrpSpPr>
+      <p:grpSpPr>
+        <a:xfrm>
+          <a:off x="0" y="0"/>
+          <a:ext cx="0" cy="0"/>
+          <a:chOff x="0" y="0"/>
+          <a:chExt cx="0" cy="0"/>
+        </a:xfrm>
+      </p:grpSpPr>
+      <p:sp>
+        <p:nvSpPr>
+          <p:cNvPr id="2" name="Espaço Reservado para Cabeçalho 1"/>
+          <p:cNvSpPr>
+            <a:spLocks noGrp="1"/>
+          </p:cNvSpPr>
+          <p:nvPr>
+            <p:ph type="hdr" sz="quarter"/>
+          </p:nvPr>
+        </p:nvSpPr>
+        <p:spPr>
+          <a:xfrm>
+            <a:off x="0" y="0"/>
+            <a:ext cx="2971800" cy="458788"/>
+          </a:xfrm>
+          <a:prstGeom prst="rect">
+            <a:avLst/>
+          </a:prstGeom>
+        </p:spPr>
+        <p:txBody>
+          <a:bodyPr vert="horz" lIns="91440" tIns="45720" rIns="91440" bIns="45720" rtlCol="0"/>
+          <a:lstStyle>
+            <a:lvl1pPr algn="l">
+              <a:defRPr sz="1200"/>
+            </a:lvl1pPr>
+          </a:lstStyle>
+          <a:p>
+            <a:endParaRPr lang="pt-BR" dirty="0"/>
+          </a:p>
+        </p:txBody>
+      </p:sp>
+      <p:sp>
+        <p:nvSpPr>
+          <p:cNvPr id="3" name="Espaço Reservado para Data 2"/>
+          <p:cNvSpPr>
+            <a:spLocks noGrp="1"/>
+          </p:cNvSpPr>
+          <p:nvPr>
+            <p:ph type="dt" idx="1"/>
+          </p:nvPr>
+        </p:nvSpPr>
+        <p:spPr>
+          <a:xfrm>
+            <a:off x="3884613" y="0"/>
+            <a:ext cx="2971800" cy="458788"/>
+          </a:xfrm>
+          <a:prstGeom prst="rect">
+            <a:avLst/>
+          </a:prstGeom>
+        </p:spPr>
+        <p:txBody>
+          <a:bodyPr vert="horz" lIns="91440" tIns="45720" rIns="91440" bIns="45720" rtlCol="0"/>
+          <a:lstStyle>
+            <a:lvl1pPr algn="r">
+              <a:defRPr sz="1200"/>
+            </a:lvl1pPr>
+          </a:lstStyle>
+          <a:p>
+            <a:fld id="{485D7E18-09D0-4893-B414-B84953E617BD}" type="datetimeFigureOut">
+              <a:rPr lang="pt-BR" smtClean="0"/>
+              <a:t>06/06/17</a:t>
+            </a:fld>
+            <a:endParaRPr lang="pt-BR" dirty="0"/>
+          </a:p>
+        </p:txBody>
+      </p:sp>
+      <p:sp>
+        <p:nvSpPr>
+          <p:cNvPr id="4" name="Espaço Reservado para Imagem de Slide 3"/>
+          <p:cNvSpPr>
+            <a:spLocks noGrp="1" noRot="1" noChangeAspect="1"/>
+          </p:cNvSpPr>
+          <p:nvPr>
+            <p:ph type="sldImg" idx="2"/>
+          </p:nvPr>
+        </p:nvSpPr>
+        <p:spPr>
+          <a:xfrm>
+            <a:off x="685800" y="1143000"/>
+            <a:ext cx="5486400" cy="3086100"/>
+          </a:xfrm>
+          <a:prstGeom prst="rect">
+            <a:avLst/>
+          </a:prstGeom>
+          <a:noFill/>
+          <a:ln w="12700">
+            <a:solidFill>
+              <a:prstClr val="black"/>
+            </a:solidFill>
+          </a:ln>
+        </p:spPr>
+        <p:txBody>
+          <a:bodyPr vert="horz" lIns="91440" tIns="45720" rIns="91440" bIns="45720" rtlCol="0" anchor="ctr"/>
+          <a:lstStyle/>
+          <a:p>
+            <a:endParaRPr lang="pt-BR" dirty="0"/>
+          </a:p>
+        </p:txBody>
+      </p:sp>
+      <p:sp>
+        <p:nvSpPr>
+          <p:cNvPr id="5" name="Espaço Reservado para Anotações 4"/>
+          <p:cNvSpPr>
+            <a:spLocks noGrp="1"/>
+          </p:cNvSpPr>
+          <p:nvPr>
+            <p:ph type="body" sz="quarter" idx="3"/>
+          </p:nvPr>
+        </p:nvSpPr>
+        <p:spPr>
+          <a:xfrm>
+            <a:off x="685800" y="4400550"/>
+            <a:ext cx="5486400" cy="3600450"/>
+          </a:xfrm>
+          <a:prstGeom prst="rect">
+            <a:avLst/>
+          </a:prstGeom>
+        </p:spPr>
+        <p:txBody>
+          <a:bodyPr vert="horz" lIns="91440" tIns="45720" rIns="91440" bIns="45720" rtlCol="0"/>
+          <a:lstStyle/>
+          <a:p>
+            <a:pPr lvl="0"/>
+            <a:r>
+              <a:rPr lang="pt-BR"/>
+              <a:t>Editar estilos de texto Mestre</a:t>
+            </a:r>
+          </a:p>
+          <a:p>
+            <a:pPr lvl="1"/>
+            <a:r>
+              <a:rPr lang="pt-BR"/>
+              <a:t>Segundo nível</a:t>
+            </a:r>
+          </a:p>
+          <a:p>
+            <a:pPr lvl="2"/>
+            <a:r>
+              <a:rPr lang="pt-BR"/>
+              <a:t>Terceiro nível</a:t>
+            </a:r>
+          </a:p>
+          <a:p>
+            <a:pPr lvl="3"/>
+            <a:r>
+              <a:rPr lang="pt-BR"/>
+              <a:t>Quarto nível</a:t>
+            </a:r>
+          </a:p>
+          <a:p>
+            <a:pPr lvl="4"/>
+            <a:r>
+              <a:rPr lang="pt-BR"/>
+              <a:t>Quinto nível</a:t>
+            </a:r>
+          </a:p>
+        </p:txBody>
+      </p:sp>
+      <p:sp>
+        <p:nvSpPr>
+          <p:cNvPr id="6" name="Espaço Reservado para Rodapé 5"/>
+          <p:cNvSpPr>
+            <a:spLocks noGrp="1"/>
+          </p:cNvSpPr>
+          <p:nvPr>
+            <p:ph type="ftr" sz="quarter" idx="4"/>
+          </p:nvPr>
+        </p:nvSpPr>
+        <p:spPr>
+          <a:xfrm>
+            <a:off x="0" y="8685213"/>
+            <a:ext cx="2971800" cy="458787"/>
+          </a:xfrm>
+          <a:prstGeom prst="rect">
+            <a:avLst/>
+          </a:prstGeom>
+        </p:spPr>
+        <p:txBody>
+          <a:bodyPr vert="horz" lIns="91440" tIns="45720" rIns="91440" bIns="45720" rtlCol="0" anchor="b"/>
+          <a:lstStyle>
+            <a:lvl1pPr algn="l">
+              <a:defRPr sz="1200"/>
+            </a:lvl1pPr>
+          </a:lstStyle>
+          <a:p>
+            <a:endParaRPr lang="pt-BR" dirty="0"/>
+          </a:p>
+        </p:txBody>
+      </p:sp>
+      <p:sp>
+        <p:nvSpPr>
+          <p:cNvPr id="7" name="Espaço Reservado para Número de Slide 6"/>
+          <p:cNvSpPr>
+            <a:spLocks noGrp="1"/>
+          </p:cNvSpPr>
+          <p:nvPr>
+            <p:ph type="sldNum" sz="quarter" idx="5"/>
+          </p:nvPr>
+        </p:nvSpPr>
+        <p:spPr>
+          <a:xfrm>
+            <a:off x="3884613" y="8685213"/>
+            <a:ext cx="2971800" cy="458787"/>
+          </a:xfrm>
+          <a:prstGeom prst="rect">
+            <a:avLst/>
+          </a:prstGeom>
+        </p:spPr>
+        <p:txBody>
+          <a:bodyPr vert="horz" lIns="91440" tIns="45720" rIns="91440" bIns="45720" rtlCol="0" anchor="b"/>
+          <a:lstStyle>
+            <a:lvl1pPr algn="r">
+              <a:defRPr sz="1200"/>
+            </a:lvl1pPr>
+          </a:lstStyle>
+          <a:p>
+            <a:fld id="{69667100-C78D-40C7-9E97-35DC775F07D5}" type="slidenum">
+              <a:rPr lang="pt-BR" smtClean="0"/>
+              <a:t>‹nº›</a:t>
+            </a:fld>
+            <a:endParaRPr lang="pt-BR" dirty="0"/>
+          </a:p>
+        </p:txBody>
+      </p:sp>
+    </p:spTree>
+    <p:extLst>
+      <p:ext uri="{BB962C8B-B14F-4D97-AF65-F5344CB8AC3E}">
+        <p14:creationId xmlns:p14="http://schemas.microsoft.com/office/powerpoint/2010/main" val="3032877140"/>
+      </p:ext>
+    </p:extLst>
+  </p:cSld>
+  <p:clrMap bg1="lt1" tx1="dk1" bg2="lt2" tx2="dk2" accent1="accent1" accent2="accent2" accent3="accent3" accent4="accent4" accent5="accent5" accent6="accent6" hlink="hlink" folHlink="folHlink"/>
+  <p:notesStyle>
+    <a:lvl1pPr marL="0" algn="l" defTabSz="914400" rtl="0" eaLnBrk="1" latinLnBrk="0" hangingPunct="1">
+      <a:defRPr sz="1200" kern="1200">
+        <a:solidFill>
+          <a:schemeClr val="tx1"/>
+        </a:solidFill>
+        <a:latin typeface="+mn-lt"/>
+        <a:ea typeface="+mn-ea"/>
+        <a:cs typeface="+mn-cs"/>
+      </a:defRPr>
+    </a:lvl1pPr>
+    <a:lvl2pPr marL="457200" algn="l" defTabSz="914400" rtl="0" eaLnBrk="1" latinLnBrk="0" hangingPunct="1">
+      <a:defRPr sz="1200" kern="1200">
+        <a:solidFill>
+          <a:schemeClr val="tx1"/>
+        </a:solidFill>
+        <a:latin typeface="+mn-lt"/>
+        <a:ea typeface="+mn-ea"/>
+        <a:cs typeface="+mn-cs"/>
+      </a:defRPr>
+    </a:lvl2pPr>
+    <a:lvl3pPr marL="914400" algn="l" defTabSz="914400" rtl="0" eaLnBrk="1" latinLnBrk="0" hangingPunct="1">
+      <a:defRPr sz="1200" kern="1200">
+        <a:solidFill>
+          <a:schemeClr val="tx1"/>
+        </a:solidFill>
+        <a:latin typeface="+mn-lt"/>
+        <a:ea typeface="+mn-ea"/>
+        <a:cs typeface="+mn-cs"/>
+      </a:defRPr>
+    </a:lvl3pPr>
+    <a:lvl4pPr marL="1371600" algn="l" defTabSz="914400" rtl="0" eaLnBrk="1" latinLnBrk="0" hangingPunct="1">
+      <a:defRPr sz="1200" kern="1200">
+        <a:solidFill>
+          <a:schemeClr val="tx1"/>
+        </a:solidFill>
+        <a:latin typeface="+mn-lt"/>
+        <a:ea typeface="+mn-ea"/>
+        <a:cs typeface="+mn-cs"/>
+      </a:defRPr>
+    </a:lvl4pPr>
+    <a:lvl5pPr marL="1828800" algn="l" defTabSz="914400" rtl="0" eaLnBrk="1" latinLnBrk="0" hangingPunct="1">
+      <a:defRPr sz="1200" kern="1200">
+        <a:solidFill>
+          <a:schemeClr val="tx1"/>
+        </a:solidFill>
+        <a:latin typeface="+mn-lt"/>
+        <a:ea typeface="+mn-ea"/>
+        <a:cs typeface="+mn-cs"/>
+      </a:defRPr>
+    </a:lvl5pPr>
+    <a:lvl6pPr marL="2286000" algn="l" defTabSz="914400" rtl="0" eaLnBrk="1" latinLnBrk="0" hangingPunct="1">
+      <a:defRPr sz="1200" kern="1200">
+        <a:solidFill>
+          <a:schemeClr val="tx1"/>
+        </a:solidFill>
+        <a:latin typeface="+mn-lt"/>
+        <a:ea typeface="+mn-ea"/>
+        <a:cs typeface="+mn-cs"/>
+      </a:defRPr>
+    </a:lvl6pPr>
+    <a:lvl7pPr marL="2743200" algn="l" defTabSz="914400" rtl="0" eaLnBrk="1" latinLnBrk="0" hangingPunct="1">
+      <a:defRPr sz="1200" kern="1200">
+        <a:solidFill>
+          <a:schemeClr val="tx1"/>
+        </a:solidFill>
+        <a:latin typeface="+mn-lt"/>
+        <a:ea typeface="+mn-ea"/>
+        <a:cs typeface="+mn-cs"/>
+      </a:defRPr>
+    </a:lvl7pPr>
+    <a:lvl8pPr marL="3200400" algn="l" defTabSz="914400" rtl="0" eaLnBrk="1" latinLnBrk="0" hangingPunct="1">
+      <a:defRPr sz="1200" kern="1200">
+        <a:solidFill>
+          <a:schemeClr val="tx1"/>
+        </a:solidFill>
+        <a:latin typeface="+mn-lt"/>
+        <a:ea typeface="+mn-ea"/>
+        <a:cs typeface="+mn-cs"/>
+      </a:defRPr>
+    </a:lvl8pPr>
+    <a:lvl9pPr marL="3657600" algn="l" defTabSz="914400" rtl="0" eaLnBrk="1" latinLnBrk="0" hangingPunct="1">
+      <a:defRPr sz="1200" kern="1200">
+        <a:solidFill>
+          <a:schemeClr val="tx1"/>
+        </a:solidFill>
+        <a:latin typeface="+mn-lt"/>
+        <a:ea typeface="+mn-ea"/>
+        <a:cs typeface="+mn-cs"/>
+      </a:defRPr>
+    </a:lvl9pPr>
+  </p:notesStyle>
+</p:notesMaster>
+</file>
+
 <file path=ppt/slideLayouts/slideLayout1.xml><?xml version="1.0" encoding="utf-8"?>
 <p:sldLayout xmlns:a="http://schemas.openxmlformats.org/drawingml/2006/main" xmlns:r="http://schemas.openxmlformats.org/officeDocument/2006/relationships" xmlns:p="http://schemas.openxmlformats.org/presentationml/2006/main" showMasterSp="0" type="title" preserve="1">
   <p:cSld name="Slide de título">
@@ -388,7 +741,7 @@
           <a:p>
             <a:fld id="{4FAB73BC-B049-4115-A692-8D63A059BFB8}" type="slidenum">
               <a:rPr lang="en-US" dirty="0"/>
-              <a:t>‹#›</a:t>
+              <a:t>‹nº›</a:t>
             </a:fld>
             <a:endParaRPr lang="en-US" dirty="0"/>
           </a:p>
@@ -591,7 +944,7 @@
           <a:p>
             <a:fld id="{4FAB73BC-B049-4115-A692-8D63A059BFB8}" type="slidenum">
               <a:rPr lang="en-US" dirty="0"/>
-              <a:t>‹#›</a:t>
+              <a:t>‹nº›</a:t>
             </a:fld>
             <a:endParaRPr lang="en-US" dirty="0"/>
           </a:p>
@@ -842,7 +1195,7 @@
           <a:p>
             <a:fld id="{4FAB73BC-B049-4115-A692-8D63A059BFB8}" type="slidenum">
               <a:rPr lang="en-US" dirty="0"/>
-              <a:t>‹#›</a:t>
+              <a:t>‹nº›</a:t>
             </a:fld>
             <a:endParaRPr lang="en-US" dirty="0"/>
           </a:p>
@@ -1007,7 +1360,7 @@
           <a:p>
             <a:fld id="{629637A9-119A-49DA-BD12-AAC58B377D80}" type="slidenum">
               <a:rPr lang="en-US" dirty="0"/>
-              <a:t>‹#›</a:t>
+              <a:t>‹nº›</a:t>
             </a:fld>
             <a:endParaRPr lang="en-US" dirty="0"/>
           </a:p>
@@ -1345,7 +1698,7 @@
           <a:p>
             <a:fld id="{4FAB73BC-B049-4115-A692-8D63A059BFB8}" type="slidenum">
               <a:rPr lang="en-US" dirty="0"/>
-              <a:t>‹#›</a:t>
+              <a:t>‹nº›</a:t>
             </a:fld>
             <a:endParaRPr lang="en-US" dirty="0"/>
           </a:p>
@@ -1615,7 +1968,7 @@
           <a:p>
             <a:fld id="{4FAB73BC-B049-4115-A692-8D63A059BFB8}" type="slidenum">
               <a:rPr lang="en-US" dirty="0"/>
-              <a:t>‹#›</a:t>
+              <a:t>‹nº›</a:t>
             </a:fld>
             <a:endParaRPr lang="en-US" dirty="0"/>
           </a:p>
@@ -1989,7 +2342,7 @@
           <a:p>
             <a:fld id="{4FAB73BC-B049-4115-A692-8D63A059BFB8}" type="slidenum">
               <a:rPr lang="en-US" dirty="0"/>
-              <a:t>‹#›</a:t>
+              <a:t>‹nº›</a:t>
             </a:fld>
             <a:endParaRPr lang="en-US" dirty="0"/>
           </a:p>
@@ -2102,7 +2455,7 @@
           <a:p>
             <a:fld id="{4FAB73BC-B049-4115-A692-8D63A059BFB8}" type="slidenum">
               <a:rPr lang="en-US" dirty="0"/>
-              <a:t>‹#›</a:t>
+              <a:t>‹nº›</a:t>
             </a:fld>
             <a:endParaRPr lang="en-US" dirty="0"/>
           </a:p>
@@ -2277,7 +2630,7 @@
             <a:fld id="{4FAB73BC-B049-4115-A692-8D63A059BFB8}" type="slidenum">
               <a:rPr lang="en-US" dirty="0"/>
               <a:pPr/>
-              <a:t>‹#›</a:t>
+              <a:t>‹nº›</a:t>
             </a:fld>
             <a:endParaRPr lang="en-US" dirty="0"/>
           </a:p>
@@ -2640,7 +2993,7 @@
             <a:fld id="{4FAB73BC-B049-4115-A692-8D63A059BFB8}" type="slidenum">
               <a:rPr lang="en-US" dirty="0"/>
               <a:pPr/>
-              <a:t>‹#›</a:t>
+              <a:t>‹nº›</a:t>
             </a:fld>
             <a:endParaRPr lang="en-US" dirty="0"/>
           </a:p>
@@ -2848,7 +3201,7 @@
           </a:lstStyle>
           <a:p>
             <a:r>
-              <a:rPr lang="pt-BR"/>
+              <a:rPr lang="pt-BR" dirty="0"/>
               <a:t>Clique no ícone para adicionar uma imagem</a:t>
             </a:r>
             <a:endParaRPr lang="en-US" dirty="0"/>
@@ -2991,7 +3344,7 @@
           <a:p>
             <a:fld id="{4FAB73BC-B049-4115-A692-8D63A059BFB8}" type="slidenum">
               <a:rPr lang="en-US" dirty="0"/>
-              <a:t>‹#›</a:t>
+              <a:t>‹nº›</a:t>
             </a:fld>
             <a:endParaRPr lang="en-US" dirty="0"/>
           </a:p>
@@ -3306,7 +3659,7 @@
             <a:fld id="{4FAB73BC-B049-4115-A692-8D63A059BFB8}" type="slidenum">
               <a:rPr lang="en-US" dirty="0"/>
               <a:pPr/>
-              <a:t>‹#›</a:t>
+              <a:t>‹nº›</a:t>
             </a:fld>
             <a:endParaRPr lang="en-US" dirty="0"/>
           </a:p>
@@ -3875,6 +4228,30 @@
           </a:xfrm>
         </p:spPr>
       </p:pic>
+      <p:pic>
+        <p:nvPicPr>
+          <p:cNvPr id="3" name="Imagem 2"/>
+          <p:cNvPicPr>
+            <a:picLocks noChangeAspect="1"/>
+          </p:cNvPicPr>
+          <p:nvPr/>
+        </p:nvPicPr>
+        <p:blipFill>
+          <a:blip r:embed="rId3"/>
+          <a:stretch>
+            <a:fillRect/>
+          </a:stretch>
+        </p:blipFill>
+        <p:spPr>
+          <a:xfrm>
+            <a:off x="11590518" y="5807676"/>
+            <a:ext cx="463058" cy="402252"/>
+          </a:xfrm>
+          <a:prstGeom prst="rect">
+            <a:avLst/>
+          </a:prstGeom>
+        </p:spPr>
+      </p:pic>
     </p:spTree>
     <p:extLst>
       <p:ext uri="{BB962C8B-B14F-4D97-AF65-F5344CB8AC3E}">
@@ -3932,6 +4309,30 @@
             <a:off x="1885625" y="579551"/>
             <a:ext cx="8707638" cy="5315196"/>
           </a:xfrm>
+        </p:spPr>
+      </p:pic>
+      <p:pic>
+        <p:nvPicPr>
+          <p:cNvPr id="3" name="Imagem 2"/>
+          <p:cNvPicPr>
+            <a:picLocks noChangeAspect="1"/>
+          </p:cNvPicPr>
+          <p:nvPr/>
+        </p:nvPicPr>
+        <p:blipFill>
+          <a:blip r:embed="rId3"/>
+          <a:stretch>
+            <a:fillRect/>
+          </a:stretch>
+        </p:blipFill>
+        <p:spPr>
+          <a:xfrm>
+            <a:off x="11578160" y="5894747"/>
+            <a:ext cx="463058" cy="402252"/>
+          </a:xfrm>
+          <a:prstGeom prst="rect">
+            <a:avLst/>
+          </a:prstGeom>
         </p:spPr>
       </p:pic>
     </p:spTree>
@@ -3992,8 +4393,32 @@
         </p:blipFill>
         <p:spPr>
           <a:xfrm>
-            <a:off x="2262134" y="1729947"/>
+            <a:off x="2311561" y="1729947"/>
             <a:ext cx="7289638" cy="4109232"/>
+          </a:xfrm>
+          <a:prstGeom prst="rect">
+            <a:avLst/>
+          </a:prstGeom>
+        </p:spPr>
+      </p:pic>
+      <p:pic>
+        <p:nvPicPr>
+          <p:cNvPr id="3" name="Imagem 2"/>
+          <p:cNvPicPr>
+            <a:picLocks noChangeAspect="1"/>
+          </p:cNvPicPr>
+          <p:nvPr/>
+        </p:nvPicPr>
+        <p:blipFill>
+          <a:blip r:embed="rId3"/>
+          <a:stretch>
+            <a:fillRect/>
+          </a:stretch>
+        </p:blipFill>
+        <p:spPr>
+          <a:xfrm>
+            <a:off x="11602875" y="5839179"/>
+            <a:ext cx="463058" cy="402252"/>
           </a:xfrm>
           <a:prstGeom prst="rect">
             <a:avLst/>
@@ -4054,8 +4479,8 @@
         </p:blipFill>
         <p:spPr>
           <a:xfrm>
-            <a:off x="0" y="0"/>
-            <a:ext cx="3763471" cy="2032274"/>
+            <a:off x="758315" y="2868530"/>
+            <a:ext cx="2679734" cy="1447056"/>
           </a:xfrm>
         </p:spPr>
       </p:pic>
@@ -4081,8 +4506,8 @@
         </p:blipFill>
         <p:spPr>
           <a:xfrm>
-            <a:off x="4260216" y="2317124"/>
-            <a:ext cx="3975589" cy="2056125"/>
+            <a:off x="6411696" y="4197400"/>
+            <a:ext cx="3029755" cy="1566951"/>
           </a:xfrm>
           <a:prstGeom prst="rect">
             <a:avLst/>
@@ -4111,8 +4536,8 @@
         </p:blipFill>
         <p:spPr>
           <a:xfrm>
-            <a:off x="734096" y="2149698"/>
-            <a:ext cx="3016876" cy="3016876"/>
+            <a:off x="7137288" y="589778"/>
+            <a:ext cx="2278752" cy="2278752"/>
           </a:xfrm>
           <a:prstGeom prst="rect">
             <a:avLst/>
@@ -4141,8 +4566,8 @@
         </p:blipFill>
         <p:spPr>
           <a:xfrm>
-            <a:off x="7820025" y="2507959"/>
-            <a:ext cx="4371975" cy="2486025"/>
+            <a:off x="4410226" y="538343"/>
+            <a:ext cx="2536431" cy="1442284"/>
           </a:xfrm>
           <a:prstGeom prst="rect">
             <a:avLst/>
@@ -4171,8 +4596,8 @@
         </p:blipFill>
         <p:spPr>
           <a:xfrm>
-            <a:off x="5100034" y="0"/>
-            <a:ext cx="4649274" cy="2721939"/>
+            <a:off x="758315" y="249553"/>
+            <a:ext cx="3599067" cy="2107090"/>
           </a:xfrm>
           <a:prstGeom prst="rect">
             <a:avLst/>
@@ -4201,8 +4626,8 @@
         </p:blipFill>
         <p:spPr>
           <a:xfrm>
-            <a:off x="6530405" y="4564084"/>
-            <a:ext cx="1705400" cy="1712222"/>
+            <a:off x="4244644" y="4615163"/>
+            <a:ext cx="1268147" cy="1273220"/>
           </a:xfrm>
           <a:prstGeom prst="rect">
             <a:avLst/>
@@ -4231,7 +4656,7 @@
         </p:blipFill>
         <p:spPr>
           <a:xfrm>
-            <a:off x="9252095" y="114230"/>
+            <a:off x="9517939" y="287083"/>
             <a:ext cx="2674061" cy="2222813"/>
           </a:xfrm>
           <a:prstGeom prst="rect">
@@ -4261,8 +4686,8 @@
         </p:blipFill>
         <p:spPr>
           <a:xfrm>
-            <a:off x="256571" y="4748939"/>
-            <a:ext cx="3971926" cy="1342511"/>
+            <a:off x="606389" y="5071597"/>
+            <a:ext cx="2405506" cy="813061"/>
           </a:xfrm>
           <a:prstGeom prst="rect">
             <a:avLst/>
@@ -4291,7 +4716,7 @@
         </p:blipFill>
         <p:spPr>
           <a:xfrm>
-            <a:off x="1676272" y="1948671"/>
+            <a:off x="5959374" y="2961064"/>
             <a:ext cx="5748399" cy="1129560"/>
           </a:xfrm>
           <a:prstGeom prst="rect">
@@ -4321,7 +4746,7 @@
         </p:blipFill>
         <p:spPr>
           <a:xfrm>
-            <a:off x="4415759" y="4485471"/>
+            <a:off x="3887606" y="2483443"/>
             <a:ext cx="1790835" cy="1790835"/>
           </a:xfrm>
           <a:prstGeom prst="rect">
@@ -4351,8 +4776,32 @@
         </p:blipFill>
         <p:spPr>
           <a:xfrm>
-            <a:off x="10275647" y="4897172"/>
+            <a:off x="10549445" y="4164083"/>
             <a:ext cx="1379134" cy="1379134"/>
+          </a:xfrm>
+          <a:prstGeom prst="rect">
+            <a:avLst/>
+          </a:prstGeom>
+        </p:spPr>
+      </p:pic>
+      <p:pic>
+        <p:nvPicPr>
+          <p:cNvPr id="16" name="Imagem 15"/>
+          <p:cNvPicPr>
+            <a:picLocks noChangeAspect="1"/>
+          </p:cNvPicPr>
+          <p:nvPr/>
+        </p:nvPicPr>
+        <p:blipFill>
+          <a:blip r:embed="rId13"/>
+          <a:stretch>
+            <a:fillRect/>
+          </a:stretch>
+        </p:blipFill>
+        <p:spPr>
+          <a:xfrm>
+            <a:off x="11465521" y="5884658"/>
+            <a:ext cx="463058" cy="402252"/>
           </a:xfrm>
           <a:prstGeom prst="rect">
             <a:avLst/>
@@ -4363,6 +4812,83 @@
     <p:extLst>
       <p:ext uri="{BB962C8B-B14F-4D97-AF65-F5344CB8AC3E}">
         <p14:creationId xmlns:p14="http://schemas.microsoft.com/office/powerpoint/2010/main" val="3161929252"/>
+      </p:ext>
+    </p:extLst>
+  </p:cSld>
+  <p:clrMapOvr>
+    <a:masterClrMapping/>
+  </p:clrMapOvr>
+</p:sld>
+</file>
+
+<file path=ppt/slides/slide6.xml><?xml version="1.0" encoding="utf-8"?>
+<p:sld xmlns:a="http://schemas.openxmlformats.org/drawingml/2006/main" xmlns:r="http://schemas.openxmlformats.org/officeDocument/2006/relationships" xmlns:p="http://schemas.openxmlformats.org/presentationml/2006/main">
+  <p:cSld>
+    <p:spTree>
+      <p:nvGrpSpPr>
+        <p:cNvPr id="1" name=""/>
+        <p:cNvGrpSpPr/>
+        <p:nvPr/>
+      </p:nvGrpSpPr>
+      <p:grpSpPr>
+        <a:xfrm>
+          <a:off x="0" y="0"/>
+          <a:ext cx="0" cy="0"/>
+          <a:chOff x="0" y="0"/>
+          <a:chExt cx="0" cy="0"/>
+        </a:xfrm>
+      </p:grpSpPr>
+      <p:pic>
+        <p:nvPicPr>
+          <p:cNvPr id="9" name="Espaço Reservado para Conteúdo 8"/>
+          <p:cNvPicPr>
+            <a:picLocks noGrp="1" noChangeAspect="1"/>
+          </p:cNvPicPr>
+          <p:nvPr>
+            <p:ph idx="1"/>
+          </p:nvPr>
+        </p:nvPicPr>
+        <p:blipFill>
+          <a:blip r:embed="rId2"/>
+          <a:stretch>
+            <a:fillRect/>
+          </a:stretch>
+        </p:blipFill>
+        <p:spPr>
+          <a:xfrm>
+            <a:off x="631609" y="741404"/>
+            <a:ext cx="10862846" cy="5041557"/>
+          </a:xfrm>
+        </p:spPr>
+      </p:pic>
+      <p:pic>
+        <p:nvPicPr>
+          <p:cNvPr id="10" name="Imagem 9"/>
+          <p:cNvPicPr>
+            <a:picLocks noChangeAspect="1"/>
+          </p:cNvPicPr>
+          <p:nvPr/>
+        </p:nvPicPr>
+        <p:blipFill>
+          <a:blip r:embed="rId3"/>
+          <a:stretch>
+            <a:fillRect/>
+          </a:stretch>
+        </p:blipFill>
+        <p:spPr>
+          <a:xfrm>
+            <a:off x="11494455" y="5869459"/>
+            <a:ext cx="463058" cy="402252"/>
+          </a:xfrm>
+          <a:prstGeom prst="rect">
+            <a:avLst/>
+          </a:prstGeom>
+        </p:spPr>
+      </p:pic>
+    </p:spTree>
+    <p:extLst>
+      <p:ext uri="{BB962C8B-B14F-4D97-AF65-F5344CB8AC3E}">
+        <p14:creationId xmlns:p14="http://schemas.microsoft.com/office/powerpoint/2010/main" val="4113779112"/>
       </p:ext>
     </p:extLst>
   </p:cSld>
@@ -4653,4 +5179,299 @@
     </a:ext>
   </a:extLst>
 </a:theme>
+</file>
+
+<file path=ppt/theme/theme2.xml><?xml version="1.0" encoding="utf-8"?>
+<a:theme xmlns:a="http://schemas.openxmlformats.org/drawingml/2006/main" name="Tema do Office">
+  <a:themeElements>
+    <a:clrScheme name="Office">
+      <a:dk1>
+        <a:sysClr val="windowText" lastClr="000000"/>
+      </a:dk1>
+      <a:lt1>
+        <a:sysClr val="window" lastClr="FFFFFF"/>
+      </a:lt1>
+      <a:dk2>
+        <a:srgbClr val="44546A"/>
+      </a:dk2>
+      <a:lt2>
+        <a:srgbClr val="E7E6E6"/>
+      </a:lt2>
+      <a:accent1>
+        <a:srgbClr val="4472C4"/>
+      </a:accent1>
+      <a:accent2>
+        <a:srgbClr val="ED7D31"/>
+      </a:accent2>
+      <a:accent3>
+        <a:srgbClr val="A5A5A5"/>
+      </a:accent3>
+      <a:accent4>
+        <a:srgbClr val="FFC000"/>
+      </a:accent4>
+      <a:accent5>
+        <a:srgbClr val="5B9BD5"/>
+      </a:accent5>
+      <a:accent6>
+        <a:srgbClr val="70AD47"/>
+      </a:accent6>
+      <a:hlink>
+        <a:srgbClr val="0563C1"/>
+      </a:hlink>
+      <a:folHlink>
+        <a:srgbClr val="954F72"/>
+      </a:folHlink>
+    </a:clrScheme>
+    <a:fontScheme name="Office">
+      <a:majorFont>
+        <a:latin typeface="Calibri Light" panose="020F0302020204030204"/>
+        <a:ea typeface=""/>
+        <a:cs typeface=""/>
+        <a:font script="Jpan" typeface="游ゴシック Light"/>
+        <a:font script="Hang" typeface="맑은 고딕"/>
+        <a:font script="Hans" typeface="等线 Light"/>
+        <a:font script="Hant" typeface="新細明體"/>
+        <a:font script="Arab" typeface="Times New Roman"/>
+        <a:font script="Hebr" typeface="Times New Roman"/>
+        <a:font script="Thai" typeface="Angsana New"/>
+        <a:font script="Ethi" typeface="Nyala"/>
+        <a:font script="Beng" typeface="Vrinda"/>
+        <a:font script="Gujr" typeface="Shruti"/>
+        <a:font script="Khmr" typeface="MoolBoran"/>
+        <a:font script="Knda" typeface="Tunga"/>
+        <a:font script="Guru" typeface="Raavi"/>
+        <a:font script="Cans" typeface="Euphemia"/>
+        <a:font script="Cher" typeface="Plantagenet Cherokee"/>
+        <a:font script="Yiii" typeface="Microsoft Yi Baiti"/>
+        <a:font script="Tibt" typeface="Microsoft Himalaya"/>
+        <a:font script="Thaa" typeface="MV Boli"/>
+        <a:font script="Deva" typeface="Mangal"/>
+        <a:font script="Telu" typeface="Gautami"/>
+        <a:font script="Taml" typeface="Latha"/>
+        <a:font script="Syrc" typeface="Estrangelo Edessa"/>
+        <a:font script="Orya" typeface="Kalinga"/>
+        <a:font script="Mlym" typeface="Kartika"/>
+        <a:font script="Laoo" typeface="DokChampa"/>
+        <a:font script="Sinh" typeface="Iskoola Pota"/>
+        <a:font script="Mong" typeface="Mongolian Baiti"/>
+        <a:font script="Viet" typeface="Times New Roman"/>
+        <a:font script="Uigh" typeface="Microsoft Uighur"/>
+        <a:font script="Geor" typeface="Sylfaen"/>
+        <a:font script="Armn" typeface="Arial"/>
+        <a:font script="Bugi" typeface="Leelawadee UI"/>
+        <a:font script="Bopo" typeface="Microsoft JhengHei"/>
+        <a:font script="Java" typeface="Javanese Text"/>
+        <a:font script="Lisu" typeface="Segoe UI"/>
+        <a:font script="Mymr" typeface="Myanmar Text"/>
+        <a:font script="Nkoo" typeface="Ebrima"/>
+        <a:font script="Olck" typeface="Nirmala UI"/>
+        <a:font script="Osma" typeface="Ebrima"/>
+        <a:font script="Phag" typeface="Phagspa"/>
+        <a:font script="Syrn" typeface="Estrangelo Edessa"/>
+        <a:font script="Syrj" typeface="Estrangelo Edessa"/>
+        <a:font script="Syre" typeface="Estrangelo Edessa"/>
+        <a:font script="Sora" typeface="Nirmala UI"/>
+        <a:font script="Tale" typeface="Microsoft Tai Le"/>
+        <a:font script="Talu" typeface="Microsoft New Tai Lue"/>
+        <a:font script="Tfng" typeface="Ebrima"/>
+      </a:majorFont>
+      <a:minorFont>
+        <a:latin typeface="Calibri" panose="020F0502020204030204"/>
+        <a:ea typeface=""/>
+        <a:cs typeface=""/>
+        <a:font script="Jpan" typeface="游ゴシック"/>
+        <a:font script="Hang" typeface="맑은 고딕"/>
+        <a:font script="Hans" typeface="等线"/>
+        <a:font script="Hant" typeface="新細明體"/>
+        <a:font script="Arab" typeface="Arial"/>
+        <a:font script="Hebr" typeface="Arial"/>
+        <a:font script="Thai" typeface="Cordia New"/>
+        <a:font script="Ethi" typeface="Nyala"/>
+        <a:font script="Beng" typeface="Vrinda"/>
+        <a:font script="Gujr" typeface="Shruti"/>
+        <a:font script="Khmr" typeface="DaunPenh"/>
+        <a:font script="Knda" typeface="Tunga"/>
+        <a:font script="Guru" typeface="Raavi"/>
+        <a:font script="Cans" typeface="Euphemia"/>
+        <a:font script="Cher" typeface="Plantagenet Cherokee"/>
+        <a:font script="Yiii" typeface="Microsoft Yi Baiti"/>
+        <a:font script="Tibt" typeface="Microsoft Himalaya"/>
+        <a:font script="Thaa" typeface="MV Boli"/>
+        <a:font script="Deva" typeface="Mangal"/>
+        <a:font script="Telu" typeface="Gautami"/>
+        <a:font script="Taml" typeface="Latha"/>
+        <a:font script="Syrc" typeface="Estrangelo Edessa"/>
+        <a:font script="Orya" typeface="Kalinga"/>
+        <a:font script="Mlym" typeface="Kartika"/>
+        <a:font script="Laoo" typeface="DokChampa"/>
+        <a:font script="Sinh" typeface="Iskoola Pota"/>
+        <a:font script="Mong" typeface="Mongolian Baiti"/>
+        <a:font script="Viet" typeface="Arial"/>
+        <a:font script="Uigh" typeface="Microsoft Uighur"/>
+        <a:font script="Geor" typeface="Sylfaen"/>
+        <a:font script="Armn" typeface="Arial"/>
+        <a:font script="Bugi" typeface="Leelawadee UI"/>
+        <a:font script="Bopo" typeface="Microsoft JhengHei"/>
+        <a:font script="Java" typeface="Javanese Text"/>
+        <a:font script="Lisu" typeface="Segoe UI"/>
+        <a:font script="Mymr" typeface="Myanmar Text"/>
+        <a:font script="Nkoo" typeface="Ebrima"/>
+        <a:font script="Olck" typeface="Nirmala UI"/>
+        <a:font script="Osma" typeface="Ebrima"/>
+        <a:font script="Phag" typeface="Phagspa"/>
+        <a:font script="Syrn" typeface="Estrangelo Edessa"/>
+        <a:font script="Syrj" typeface="Estrangelo Edessa"/>
+        <a:font script="Syre" typeface="Estrangelo Edessa"/>
+        <a:font script="Sora" typeface="Nirmala UI"/>
+        <a:font script="Tale" typeface="Microsoft Tai Le"/>
+        <a:font script="Talu" typeface="Microsoft New Tai Lue"/>
+        <a:font script="Tfng" typeface="Ebrima"/>
+      </a:minorFont>
+    </a:fontScheme>
+    <a:fmtScheme name="Office">
+      <a:fillStyleLst>
+        <a:solidFill>
+          <a:schemeClr val="phClr"/>
+        </a:solidFill>
+        <a:gradFill rotWithShape="1">
+          <a:gsLst>
+            <a:gs pos="0">
+              <a:schemeClr val="phClr">
+                <a:lumMod val="110000"/>
+                <a:satMod val="105000"/>
+                <a:tint val="67000"/>
+              </a:schemeClr>
+            </a:gs>
+            <a:gs pos="50000">
+              <a:schemeClr val="phClr">
+                <a:lumMod val="105000"/>
+                <a:satMod val="103000"/>
+                <a:tint val="73000"/>
+              </a:schemeClr>
+            </a:gs>
+            <a:gs pos="100000">
+              <a:schemeClr val="phClr">
+                <a:lumMod val="105000"/>
+                <a:satMod val="109000"/>
+                <a:tint val="81000"/>
+              </a:schemeClr>
+            </a:gs>
+          </a:gsLst>
+          <a:lin ang="5400000" scaled="0"/>
+        </a:gradFill>
+        <a:gradFill rotWithShape="1">
+          <a:gsLst>
+            <a:gs pos="0">
+              <a:schemeClr val="phClr">
+                <a:satMod val="103000"/>
+                <a:lumMod val="102000"/>
+                <a:tint val="94000"/>
+              </a:schemeClr>
+            </a:gs>
+            <a:gs pos="50000">
+              <a:schemeClr val="phClr">
+                <a:satMod val="110000"/>
+                <a:lumMod val="100000"/>
+                <a:shade val="100000"/>
+              </a:schemeClr>
+            </a:gs>
+            <a:gs pos="100000">
+              <a:schemeClr val="phClr">
+                <a:lumMod val="99000"/>
+                <a:satMod val="120000"/>
+                <a:shade val="78000"/>
+              </a:schemeClr>
+            </a:gs>
+          </a:gsLst>
+          <a:lin ang="5400000" scaled="0"/>
+        </a:gradFill>
+      </a:fillStyleLst>
+      <a:lnStyleLst>
+        <a:ln w="6350" cap="flat" cmpd="sng" algn="ctr">
+          <a:solidFill>
+            <a:schemeClr val="phClr"/>
+          </a:solidFill>
+          <a:prstDash val="solid"/>
+          <a:miter lim="800000"/>
+        </a:ln>
+        <a:ln w="12700" cap="flat" cmpd="sng" algn="ctr">
+          <a:solidFill>
+            <a:schemeClr val="phClr"/>
+          </a:solidFill>
+          <a:prstDash val="solid"/>
+          <a:miter lim="800000"/>
+        </a:ln>
+        <a:ln w="19050" cap="flat" cmpd="sng" algn="ctr">
+          <a:solidFill>
+            <a:schemeClr val="phClr"/>
+          </a:solidFill>
+          <a:prstDash val="solid"/>
+          <a:miter lim="800000"/>
+        </a:ln>
+      </a:lnStyleLst>
+      <a:effectStyleLst>
+        <a:effectStyle>
+          <a:effectLst/>
+        </a:effectStyle>
+        <a:effectStyle>
+          <a:effectLst/>
+        </a:effectStyle>
+        <a:effectStyle>
+          <a:effectLst>
+            <a:outerShdw blurRad="57150" dist="19050" dir="5400000" algn="ctr" rotWithShape="0">
+              <a:srgbClr val="000000">
+                <a:alpha val="63000"/>
+              </a:srgbClr>
+            </a:outerShdw>
+          </a:effectLst>
+        </a:effectStyle>
+      </a:effectStyleLst>
+      <a:bgFillStyleLst>
+        <a:solidFill>
+          <a:schemeClr val="phClr"/>
+        </a:solidFill>
+        <a:solidFill>
+          <a:schemeClr val="phClr">
+            <a:tint val="95000"/>
+            <a:satMod val="170000"/>
+          </a:schemeClr>
+        </a:solidFill>
+        <a:gradFill rotWithShape="1">
+          <a:gsLst>
+            <a:gs pos="0">
+              <a:schemeClr val="phClr">
+                <a:tint val="93000"/>
+                <a:satMod val="150000"/>
+                <a:shade val="98000"/>
+                <a:lumMod val="102000"/>
+              </a:schemeClr>
+            </a:gs>
+            <a:gs pos="50000">
+              <a:schemeClr val="phClr">
+                <a:tint val="98000"/>
+                <a:satMod val="130000"/>
+                <a:shade val="90000"/>
+                <a:lumMod val="103000"/>
+              </a:schemeClr>
+            </a:gs>
+            <a:gs pos="100000">
+              <a:schemeClr val="phClr">
+                <a:shade val="63000"/>
+                <a:satMod val="120000"/>
+              </a:schemeClr>
+            </a:gs>
+          </a:gsLst>
+          <a:lin ang="5400000" scaled="0"/>
+        </a:gradFill>
+      </a:bgFillStyleLst>
+    </a:fmtScheme>
+  </a:themeElements>
+  <a:objectDefaults/>
+  <a:extraClrSchemeLst/>
+  <a:extLst>
+    <a:ext uri="{05A4C25C-085E-4340-85A3-A5531E510DB2}">
+      <thm15:themeFamily xmlns:thm15="http://schemas.microsoft.com/office/thememl/2012/main" name="Office Theme" id="{62F939B6-93AF-4DB8-9C6B-D6C7DFDC589F}" vid="{4A3C46E8-61CC-4603-A589-7422A47A8E4A}"/>
+    </a:ext>
+  </a:extLst>
+</a:theme>
 </file>
--- a/Documentation/PI/Apresentação.pptx
+++ b/Documentation/PI/Apresentação.pptx
@@ -5,15 +5,17 @@
     <p:sldMasterId id="2147483648" r:id="rId1"/>
   </p:sldMasterIdLst>
   <p:notesMasterIdLst>
-    <p:notesMasterId r:id="rId8"/>
+    <p:notesMasterId r:id="rId10"/>
   </p:notesMasterIdLst>
   <p:sldIdLst>
     <p:sldId id="262" r:id="rId2"/>
-    <p:sldId id="257" r:id="rId3"/>
-    <p:sldId id="258" r:id="rId4"/>
-    <p:sldId id="260" r:id="rId5"/>
-    <p:sldId id="259" r:id="rId6"/>
-    <p:sldId id="261" r:id="rId7"/>
+    <p:sldId id="263" r:id="rId3"/>
+    <p:sldId id="257" r:id="rId4"/>
+    <p:sldId id="258" r:id="rId5"/>
+    <p:sldId id="260" r:id="rId6"/>
+    <p:sldId id="259" r:id="rId7"/>
+    <p:sldId id="264" r:id="rId8"/>
+    <p:sldId id="261" r:id="rId9"/>
   </p:sldIdLst>
   <p:sldSz cx="12192000" cy="6858000"/>
   <p:notesSz cx="6858000" cy="9144000"/>
@@ -206,7 +208,7 @@
           <a:p>
             <a:fld id="{485D7E18-09D0-4893-B414-B84953E617BD}" type="datetimeFigureOut">
               <a:rPr lang="pt-BR" smtClean="0"/>
-              <a:t>06/06/2017</a:t>
+              <a:t>06/06/17</a:t>
             </a:fld>
             <a:endParaRPr lang="pt-BR" dirty="0"/>
           </a:p>
@@ -4178,6 +4180,9 @@
               <a:t>Sistema de avaliação pessoal</a:t>
             </a:r>
           </a:p>
+          <a:p>
+            <a:endParaRPr lang="pt-BR" dirty="0"/>
+          </a:p>
         </p:txBody>
       </p:sp>
       <p:pic>
@@ -4248,40 +4253,59 @@
       </p:grpSpPr>
       <p:pic>
         <p:nvPicPr>
-          <p:cNvPr id="4" name="Espaço Reservado para Conteúdo 3"/>
+          <p:cNvPr id="10" name="Imagem 9"/>
           <p:cNvPicPr>
-            <a:picLocks noGrp="1" noChangeAspect="1"/>
+            <a:picLocks noChangeAspect="1"/>
           </p:cNvPicPr>
-          <p:nvPr>
-            <p:ph idx="1"/>
-          </p:nvPr>
+          <p:nvPr/>
         </p:nvPicPr>
         <p:blipFill>
-          <a:blip r:embed="rId2">
-            <a:extLst>
-              <a:ext uri="{28A0092B-C50C-407E-A947-70E740481C1C}">
-                <a14:useLocalDpi xmlns:a14="http://schemas.microsoft.com/office/drawing/2010/main" val="0"/>
-              </a:ext>
-            </a:extLst>
-          </a:blip>
+          <a:blip r:embed="rId2"/>
           <a:stretch>
             <a:fillRect/>
           </a:stretch>
         </p:blipFill>
         <p:spPr>
           <a:xfrm>
-            <a:off x="3200400" y="1808690"/>
-            <a:ext cx="6067168" cy="4519836"/>
-          </a:xfrm>
+            <a:off x="1606377" y="1881759"/>
+            <a:ext cx="4270413" cy="4302170"/>
+          </a:xfrm>
+          <a:prstGeom prst="rect">
+            <a:avLst/>
+          </a:prstGeom>
         </p:spPr>
       </p:pic>
+      <p:sp>
+        <p:nvSpPr>
+          <p:cNvPr id="2" name="Título 1"/>
+          <p:cNvSpPr>
+            <a:spLocks noGrp="1"/>
+          </p:cNvSpPr>
+          <p:nvPr>
+            <p:ph type="title"/>
+          </p:nvPr>
+        </p:nvSpPr>
+        <p:spPr/>
+        <p:txBody>
+          <a:bodyPr/>
+          <a:lstStyle/>
+          <a:p>
+            <a:r>
+              <a:rPr lang="pt-BR" dirty="0"/>
+              <a:t>Objetivos para transformar nosso mundo</a:t>
+            </a:r>
+          </a:p>
+        </p:txBody>
+      </p:sp>
       <p:pic>
         <p:nvPicPr>
-          <p:cNvPr id="3" name="Imagem 2"/>
+          <p:cNvPr id="5" name="Espaço Reservado para Conteúdo 4"/>
           <p:cNvPicPr>
-            <a:picLocks noChangeAspect="1"/>
+            <a:picLocks noGrp="1" noChangeAspect="1"/>
           </p:cNvPicPr>
-          <p:nvPr/>
+          <p:nvPr>
+            <p:ph idx="1"/>
+          </p:nvPr>
         </p:nvPicPr>
         <p:blipFill>
           <a:blip r:embed="rId3"/>
@@ -4291,6 +4315,27 @@
         </p:blipFill>
         <p:spPr>
           <a:xfrm>
+            <a:off x="5957731" y="1881759"/>
+            <a:ext cx="4298377" cy="4302170"/>
+          </a:xfrm>
+        </p:spPr>
+      </p:pic>
+      <p:pic>
+        <p:nvPicPr>
+          <p:cNvPr id="6" name="Imagem 5"/>
+          <p:cNvPicPr>
+            <a:picLocks noChangeAspect="1"/>
+          </p:cNvPicPr>
+          <p:nvPr/>
+        </p:nvPicPr>
+        <p:blipFill>
+          <a:blip r:embed="rId4"/>
+          <a:stretch>
+            <a:fillRect/>
+          </a:stretch>
+        </p:blipFill>
+        <p:spPr>
+          <a:xfrm>
             <a:off x="11590518" y="5807676"/>
             <a:ext cx="463058" cy="402252"/>
           </a:xfrm>
@@ -4299,43 +4344,10 @@
           </a:prstGeom>
         </p:spPr>
       </p:pic>
-      <p:sp>
-        <p:nvSpPr>
-          <p:cNvPr id="5" name="Título 1">
-            <a:extLst>
-              <a:ext uri="{FF2B5EF4-FFF2-40B4-BE49-F238E27FC236}">
-                <a16:creationId xmlns:a16="http://schemas.microsoft.com/office/drawing/2014/main" id="{33AF51AB-32E5-420A-BC50-D4196507F7C4}"/>
-              </a:ext>
-            </a:extLst>
-          </p:cNvPr>
-          <p:cNvSpPr>
-            <a:spLocks noGrp="1"/>
-          </p:cNvSpPr>
-          <p:nvPr>
-            <p:ph type="title"/>
-          </p:nvPr>
-        </p:nvSpPr>
-        <p:spPr>
-          <a:xfrm>
-            <a:off x="1097280" y="286603"/>
-            <a:ext cx="10058400" cy="1450757"/>
-          </a:xfrm>
-        </p:spPr>
-        <p:txBody>
-          <a:bodyPr/>
-          <a:lstStyle/>
-          <a:p>
-            <a:r>
-              <a:rPr lang="pt-BR" dirty="0"/>
-              <a:t>E-commerce na América do Sul</a:t>
-            </a:r>
-          </a:p>
-        </p:txBody>
-      </p:sp>
     </p:spTree>
     <p:extLst>
       <p:ext uri="{BB962C8B-B14F-4D97-AF65-F5344CB8AC3E}">
-        <p14:creationId xmlns:p14="http://schemas.microsoft.com/office/powerpoint/2010/main" val="1068673948"/>
+        <p14:creationId xmlns:p14="http://schemas.microsoft.com/office/powerpoint/2010/main" val="1070848268"/>
       </p:ext>
     </p:extLst>
   </p:cSld>
@@ -4386,8 +4398,8 @@
         </p:blipFill>
         <p:spPr>
           <a:xfrm>
-            <a:off x="1799128" y="2082771"/>
-            <a:ext cx="8707638" cy="4214228"/>
+            <a:off x="3200400" y="1808690"/>
+            <a:ext cx="6067168" cy="4519836"/>
           </a:xfrm>
         </p:spPr>
       </p:pic>
@@ -4407,12 +4419,104 @@
         </p:blipFill>
         <p:spPr>
           <a:xfrm>
-            <a:off x="11578160" y="5894747"/>
+            <a:off x="11590518" y="5807676"/>
             <a:ext cx="463058" cy="402252"/>
           </a:xfrm>
           <a:prstGeom prst="rect">
             <a:avLst/>
           </a:prstGeom>
+        </p:spPr>
+      </p:pic>
+      <p:sp>
+        <p:nvSpPr>
+          <p:cNvPr id="5" name="Título 1">
+            <a:extLst>
+              <a:ext uri="{FF2B5EF4-FFF2-40B4-BE49-F238E27FC236}">
+                <a16:creationId xmlns:a16="http://schemas.microsoft.com/office/drawing/2014/main" id="{33AF51AB-32E5-420A-BC50-D4196507F7C4}"/>
+              </a:ext>
+            </a:extLst>
+          </p:cNvPr>
+          <p:cNvSpPr>
+            <a:spLocks noGrp="1"/>
+          </p:cNvSpPr>
+          <p:nvPr>
+            <p:ph type="title"/>
+          </p:nvPr>
+        </p:nvSpPr>
+        <p:spPr>
+          <a:xfrm>
+            <a:off x="1097280" y="286603"/>
+            <a:ext cx="10058400" cy="1450757"/>
+          </a:xfrm>
+        </p:spPr>
+        <p:txBody>
+          <a:bodyPr/>
+          <a:lstStyle/>
+          <a:p>
+            <a:r>
+              <a:rPr lang="pt-BR" dirty="0"/>
+              <a:t>E-commerce na América do Sul</a:t>
+            </a:r>
+          </a:p>
+        </p:txBody>
+      </p:sp>
+    </p:spTree>
+    <p:extLst>
+      <p:ext uri="{BB962C8B-B14F-4D97-AF65-F5344CB8AC3E}">
+        <p14:creationId xmlns:p14="http://schemas.microsoft.com/office/powerpoint/2010/main" val="1068673948"/>
+      </p:ext>
+    </p:extLst>
+  </p:cSld>
+  <p:clrMapOvr>
+    <a:masterClrMapping/>
+  </p:clrMapOvr>
+</p:sld>
+</file>
+
+<file path=ppt/slides/slide4.xml><?xml version="1.0" encoding="utf-8"?>
+<p:sld xmlns:a="http://schemas.openxmlformats.org/drawingml/2006/main" xmlns:r="http://schemas.openxmlformats.org/officeDocument/2006/relationships" xmlns:p="http://schemas.openxmlformats.org/presentationml/2006/main">
+  <p:cSld>
+    <p:spTree>
+      <p:nvGrpSpPr>
+        <p:cNvPr id="1" name=""/>
+        <p:cNvGrpSpPr/>
+        <p:nvPr/>
+      </p:nvGrpSpPr>
+      <p:grpSpPr>
+        <a:xfrm>
+          <a:off x="0" y="0"/>
+          <a:ext cx="0" cy="0"/>
+          <a:chOff x="0" y="0"/>
+          <a:chExt cx="0" cy="0"/>
+        </a:xfrm>
+      </p:grpSpPr>
+      <p:pic>
+        <p:nvPicPr>
+          <p:cNvPr id="4" name="Espaço Reservado para Conteúdo 3"/>
+          <p:cNvPicPr>
+            <a:picLocks noGrp="1" noChangeAspect="1"/>
+          </p:cNvPicPr>
+          <p:nvPr>
+            <p:ph idx="1"/>
+          </p:nvPr>
+        </p:nvPicPr>
+        <p:blipFill>
+          <a:blip r:embed="rId2">
+            <a:extLst>
+              <a:ext uri="{28A0092B-C50C-407E-A947-70E740481C1C}">
+                <a14:useLocalDpi xmlns:a14="http://schemas.microsoft.com/office/drawing/2010/main" val="0"/>
+              </a:ext>
+            </a:extLst>
+          </a:blip>
+          <a:stretch>
+            <a:fillRect/>
+          </a:stretch>
+        </p:blipFill>
+        <p:spPr>
+          <a:xfrm>
+            <a:off x="1799128" y="2082771"/>
+            <a:ext cx="8707638" cy="4214228"/>
+          </a:xfrm>
         </p:spPr>
       </p:pic>
       <p:sp>
@@ -4448,6 +4552,30 @@
           </a:p>
         </p:txBody>
       </p:sp>
+      <p:pic>
+        <p:nvPicPr>
+          <p:cNvPr id="5" name="Imagem 4"/>
+          <p:cNvPicPr>
+            <a:picLocks noChangeAspect="1"/>
+          </p:cNvPicPr>
+          <p:nvPr/>
+        </p:nvPicPr>
+        <p:blipFill>
+          <a:blip r:embed="rId3"/>
+          <a:stretch>
+            <a:fillRect/>
+          </a:stretch>
+        </p:blipFill>
+        <p:spPr>
+          <a:xfrm>
+            <a:off x="11590518" y="5807676"/>
+            <a:ext cx="463058" cy="402252"/>
+          </a:xfrm>
+          <a:prstGeom prst="rect">
+            <a:avLst/>
+          </a:prstGeom>
+        </p:spPr>
+      </p:pic>
     </p:spTree>
     <p:extLst>
       <p:ext uri="{BB962C8B-B14F-4D97-AF65-F5344CB8AC3E}">
@@ -4461,7 +4589,7 @@
 </p:sld>
 </file>
 
-<file path=ppt/slides/slide4.xml><?xml version="1.0" encoding="utf-8"?>
+<file path=ppt/slides/slide5.xml><?xml version="1.0" encoding="utf-8"?>
 <p:sld xmlns:a="http://schemas.openxmlformats.org/drawingml/2006/main" xmlns:r="http://schemas.openxmlformats.org/officeDocument/2006/relationships" xmlns:p="http://schemas.openxmlformats.org/presentationml/2006/main">
   <p:cSld>
     <p:spTree>
@@ -4514,9 +4642,42 @@
           </a:prstGeom>
         </p:spPr>
       </p:pic>
+      <p:sp>
+        <p:nvSpPr>
+          <p:cNvPr id="6" name="Título 1">
+            <a:extLst>
+              <a:ext uri="{FF2B5EF4-FFF2-40B4-BE49-F238E27FC236}">
+                <a16:creationId xmlns:a16="http://schemas.microsoft.com/office/drawing/2014/main" id="{47FB16DC-31FA-4EEF-8CD8-A955B1280A6D}"/>
+              </a:ext>
+            </a:extLst>
+          </p:cNvPr>
+          <p:cNvSpPr>
+            <a:spLocks noGrp="1"/>
+          </p:cNvSpPr>
+          <p:nvPr>
+            <p:ph type="title"/>
+          </p:nvPr>
+        </p:nvSpPr>
+        <p:spPr>
+          <a:xfrm>
+            <a:off x="1134350" y="212462"/>
+            <a:ext cx="10058400" cy="1450757"/>
+          </a:xfrm>
+        </p:spPr>
+        <p:txBody>
+          <a:bodyPr/>
+          <a:lstStyle/>
+          <a:p>
+            <a:r>
+              <a:rPr lang="pt-BR" dirty="0"/>
+              <a:t>Utilizando Containers</a:t>
+            </a:r>
+          </a:p>
+        </p:txBody>
+      </p:sp>
       <p:pic>
         <p:nvPicPr>
-          <p:cNvPr id="3" name="Imagem 2"/>
+          <p:cNvPr id="5" name="Imagem 4"/>
           <p:cNvPicPr>
             <a:picLocks noChangeAspect="1"/>
           </p:cNvPicPr>
@@ -4530,7 +4691,7 @@
         </p:blipFill>
         <p:spPr>
           <a:xfrm>
-            <a:off x="11602875" y="5839179"/>
+            <a:off x="11590518" y="5807676"/>
             <a:ext cx="463058" cy="402252"/>
           </a:xfrm>
           <a:prstGeom prst="rect">
@@ -4538,39 +4699,6 @@
           </a:prstGeom>
         </p:spPr>
       </p:pic>
-      <p:sp>
-        <p:nvSpPr>
-          <p:cNvPr id="6" name="Título 1">
-            <a:extLst>
-              <a:ext uri="{FF2B5EF4-FFF2-40B4-BE49-F238E27FC236}">
-                <a16:creationId xmlns:a16="http://schemas.microsoft.com/office/drawing/2014/main" id="{47FB16DC-31FA-4EEF-8CD8-A955B1280A6D}"/>
-              </a:ext>
-            </a:extLst>
-          </p:cNvPr>
-          <p:cNvSpPr>
-            <a:spLocks noGrp="1"/>
-          </p:cNvSpPr>
-          <p:nvPr>
-            <p:ph type="title"/>
-          </p:nvPr>
-        </p:nvSpPr>
-        <p:spPr>
-          <a:xfrm>
-            <a:off x="1134350" y="212462"/>
-            <a:ext cx="10058400" cy="1450757"/>
-          </a:xfrm>
-        </p:spPr>
-        <p:txBody>
-          <a:bodyPr/>
-          <a:lstStyle/>
-          <a:p>
-            <a:r>
-              <a:rPr lang="pt-BR" dirty="0"/>
-              <a:t>Utilizando Containers</a:t>
-            </a:r>
-          </a:p>
-        </p:txBody>
-      </p:sp>
     </p:spTree>
     <p:extLst>
       <p:ext uri="{BB962C8B-B14F-4D97-AF65-F5344CB8AC3E}">
@@ -4584,7 +4712,7 @@
 </p:sld>
 </file>
 
-<file path=ppt/slides/slide5.xml><?xml version="1.0" encoding="utf-8"?>
+<file path=ppt/slides/slide6.xml><?xml version="1.0" encoding="utf-8"?>
 <p:sld xmlns:a="http://schemas.openxmlformats.org/drawingml/2006/main" xmlns:r="http://schemas.openxmlformats.org/officeDocument/2006/relationships" xmlns:p="http://schemas.openxmlformats.org/presentationml/2006/main">
   <p:cSld>
     <p:spTree>
@@ -4603,13 +4731,11 @@
       </p:grpSpPr>
       <p:pic>
         <p:nvPicPr>
-          <p:cNvPr id="4" name="Espaço Reservado para Conteúdo 3"/>
+          <p:cNvPr id="6" name="Imagem 5"/>
           <p:cNvPicPr>
-            <a:picLocks noGrp="1" noChangeAspect="1"/>
+            <a:picLocks noChangeAspect="1"/>
           </p:cNvPicPr>
-          <p:nvPr>
-            <p:ph idx="1"/>
-          </p:nvPr>
+          <p:nvPr/>
         </p:nvPicPr>
         <p:blipFill>
           <a:blip r:embed="rId2">
@@ -4625,14 +4751,17 @@
         </p:blipFill>
         <p:spPr>
           <a:xfrm>
-            <a:off x="775150" y="3867654"/>
-            <a:ext cx="2522817" cy="1362321"/>
-          </a:xfrm>
+            <a:off x="3312682" y="4907482"/>
+            <a:ext cx="2460565" cy="1272573"/>
+          </a:xfrm>
+          <a:prstGeom prst="rect">
+            <a:avLst/>
+          </a:prstGeom>
         </p:spPr>
       </p:pic>
       <p:pic>
         <p:nvPicPr>
-          <p:cNvPr id="6" name="Imagem 5"/>
+          <p:cNvPr id="7" name="Imagem 6"/>
           <p:cNvPicPr>
             <a:picLocks noChangeAspect="1"/>
           </p:cNvPicPr>
@@ -4652,8 +4781,8 @@
         </p:blipFill>
         <p:spPr>
           <a:xfrm>
-            <a:off x="5678293" y="4943725"/>
-            <a:ext cx="2247402" cy="1162328"/>
+            <a:off x="6287921" y="4817519"/>
+            <a:ext cx="1526642" cy="1526642"/>
           </a:xfrm>
           <a:prstGeom prst="rect">
             <a:avLst/>
@@ -4662,7 +4791,7 @@
       </p:pic>
       <p:pic>
         <p:nvPicPr>
-          <p:cNvPr id="7" name="Imagem 6"/>
+          <p:cNvPr id="8" name="Imagem 7"/>
           <p:cNvPicPr>
             <a:picLocks noChangeAspect="1"/>
           </p:cNvPicPr>
@@ -4682,8 +4811,8 @@
         </p:blipFill>
         <p:spPr>
           <a:xfrm>
-            <a:off x="6392116" y="1787259"/>
-            <a:ext cx="2278752" cy="2278752"/>
+            <a:off x="9294791" y="4234093"/>
+            <a:ext cx="2563544" cy="1457701"/>
           </a:xfrm>
           <a:prstGeom prst="rect">
             <a:avLst/>
@@ -4692,7 +4821,7 @@
       </p:pic>
       <p:pic>
         <p:nvPicPr>
-          <p:cNvPr id="8" name="Imagem 7"/>
+          <p:cNvPr id="9" name="Imagem 8"/>
           <p:cNvPicPr>
             <a:picLocks noChangeAspect="1"/>
           </p:cNvPicPr>
@@ -4712,8 +4841,8 @@
         </p:blipFill>
         <p:spPr>
           <a:xfrm>
-            <a:off x="8852590" y="4548814"/>
-            <a:ext cx="2536431" cy="1442284"/>
+            <a:off x="303355" y="1819917"/>
+            <a:ext cx="3599067" cy="2107090"/>
           </a:xfrm>
           <a:prstGeom prst="rect">
             <a:avLst/>
@@ -4722,7 +4851,7 @@
       </p:pic>
       <p:pic>
         <p:nvPicPr>
-          <p:cNvPr id="9" name="Imagem 8"/>
+          <p:cNvPr id="10" name="Imagem 9"/>
           <p:cNvPicPr>
             <a:picLocks noChangeAspect="1"/>
           </p:cNvPicPr>
@@ -4742,8 +4871,8 @@
         </p:blipFill>
         <p:spPr>
           <a:xfrm>
-            <a:off x="303355" y="1819917"/>
-            <a:ext cx="3599067" cy="2107090"/>
+            <a:off x="3754988" y="4095964"/>
+            <a:ext cx="808285" cy="811518"/>
           </a:xfrm>
           <a:prstGeom prst="rect">
             <a:avLst/>
@@ -4752,7 +4881,7 @@
       </p:pic>
       <p:pic>
         <p:nvPicPr>
-          <p:cNvPr id="10" name="Imagem 9"/>
+          <p:cNvPr id="11" name="Imagem 10"/>
           <p:cNvPicPr>
             <a:picLocks noChangeAspect="1"/>
           </p:cNvPicPr>
@@ -4772,8 +4901,8 @@
         </p:blipFill>
         <p:spPr>
           <a:xfrm>
-            <a:off x="3953591" y="3867654"/>
-            <a:ext cx="975464" cy="979366"/>
+            <a:off x="3985754" y="1909701"/>
+            <a:ext cx="2528075" cy="2101463"/>
           </a:xfrm>
           <a:prstGeom prst="rect">
             <a:avLst/>
@@ -4782,7 +4911,7 @@
       </p:pic>
       <p:pic>
         <p:nvPicPr>
-          <p:cNvPr id="11" name="Imagem 10"/>
+          <p:cNvPr id="12" name="Imagem 11"/>
           <p:cNvPicPr>
             <a:picLocks noChangeAspect="1"/>
           </p:cNvPicPr>
@@ -4802,8 +4931,8 @@
         </p:blipFill>
         <p:spPr>
           <a:xfrm>
-            <a:off x="8860946" y="1207946"/>
-            <a:ext cx="2528075" cy="2101463"/>
+            <a:off x="9221273" y="2159997"/>
+            <a:ext cx="2405506" cy="813061"/>
           </a:xfrm>
           <a:prstGeom prst="rect">
             <a:avLst/>
@@ -4812,7 +4941,7 @@
       </p:pic>
       <p:pic>
         <p:nvPicPr>
-          <p:cNvPr id="12" name="Imagem 11"/>
+          <p:cNvPr id="13" name="Imagem 12"/>
           <p:cNvPicPr>
             <a:picLocks noChangeAspect="1"/>
           </p:cNvPicPr>
@@ -4832,8 +4961,8 @@
         </p:blipFill>
         <p:spPr>
           <a:xfrm>
-            <a:off x="1384865" y="5444655"/>
-            <a:ext cx="2405506" cy="813061"/>
+            <a:off x="8794476" y="3000481"/>
+            <a:ext cx="3259100" cy="693705"/>
           </a:xfrm>
           <a:prstGeom prst="rect">
             <a:avLst/>
@@ -4842,7 +4971,7 @@
       </p:pic>
       <p:pic>
         <p:nvPicPr>
-          <p:cNvPr id="13" name="Imagem 12"/>
+          <p:cNvPr id="14" name="Imagem 13"/>
           <p:cNvPicPr>
             <a:picLocks noChangeAspect="1"/>
           </p:cNvPicPr>
@@ -4862,8 +4991,8 @@
         </p:blipFill>
         <p:spPr>
           <a:xfrm>
-            <a:off x="8313034" y="3359308"/>
-            <a:ext cx="3615545" cy="769575"/>
+            <a:off x="6067984" y="1814244"/>
+            <a:ext cx="2966204" cy="2966204"/>
           </a:xfrm>
           <a:prstGeom prst="rect">
             <a:avLst/>
@@ -4872,7 +5001,7 @@
       </p:pic>
       <p:pic>
         <p:nvPicPr>
-          <p:cNvPr id="14" name="Imagem 13"/>
+          <p:cNvPr id="15" name="Imagem 14"/>
           <p:cNvPicPr>
             <a:picLocks noChangeAspect="1"/>
           </p:cNvPicPr>
@@ -4892,38 +5021,65 @@
         </p:blipFill>
         <p:spPr>
           <a:xfrm>
-            <a:off x="5346453" y="3152890"/>
-            <a:ext cx="1790835" cy="1790835"/>
+            <a:off x="8075166" y="5084488"/>
+            <a:ext cx="1030028" cy="1030028"/>
           </a:xfrm>
           <a:prstGeom prst="rect">
             <a:avLst/>
           </a:prstGeom>
         </p:spPr>
       </p:pic>
+      <p:sp>
+        <p:nvSpPr>
+          <p:cNvPr id="17" name="Título 1">
+            <a:extLst>
+              <a:ext uri="{FF2B5EF4-FFF2-40B4-BE49-F238E27FC236}">
+                <a16:creationId xmlns:a16="http://schemas.microsoft.com/office/drawing/2014/main" id="{A61094E4-01FE-45AB-AEEE-320EAD26FABD}"/>
+              </a:ext>
+            </a:extLst>
+          </p:cNvPr>
+          <p:cNvSpPr>
+            <a:spLocks noGrp="1"/>
+          </p:cNvSpPr>
+          <p:nvPr>
+            <p:ph type="title"/>
+          </p:nvPr>
+        </p:nvSpPr>
+        <p:spPr>
+          <a:xfrm>
+            <a:off x="1097280" y="286603"/>
+            <a:ext cx="10058400" cy="1450757"/>
+          </a:xfrm>
+        </p:spPr>
+        <p:txBody>
+          <a:bodyPr/>
+          <a:lstStyle/>
+          <a:p>
+            <a:r>
+              <a:rPr lang="pt-BR" dirty="0"/>
+              <a:t>Tecnologias Utilizadas</a:t>
+            </a:r>
+          </a:p>
+        </p:txBody>
+      </p:sp>
       <p:pic>
         <p:nvPicPr>
-          <p:cNvPr id="15" name="Imagem 14"/>
+          <p:cNvPr id="18" name="Imagem 17"/>
           <p:cNvPicPr>
             <a:picLocks noChangeAspect="1"/>
           </p:cNvPicPr>
           <p:nvPr/>
         </p:nvPicPr>
         <p:blipFill>
-          <a:blip r:embed="rId12">
-            <a:extLst>
-              <a:ext uri="{28A0092B-C50C-407E-A947-70E740481C1C}">
-                <a14:useLocalDpi xmlns:a14="http://schemas.microsoft.com/office/drawing/2010/main" val="0"/>
-              </a:ext>
-            </a:extLst>
-          </a:blip>
+          <a:blip r:embed="rId12"/>
           <a:stretch>
             <a:fillRect/>
           </a:stretch>
         </p:blipFill>
         <p:spPr>
           <a:xfrm>
-            <a:off x="4337890" y="2075988"/>
-            <a:ext cx="1379134" cy="1379134"/>
+            <a:off x="11590518" y="5807676"/>
+            <a:ext cx="463058" cy="402252"/>
           </a:xfrm>
           <a:prstGeom prst="rect">
             <a:avLst/>
@@ -4932,7 +5088,7 @@
       </p:pic>
       <p:pic>
         <p:nvPicPr>
-          <p:cNvPr id="16" name="Imagem 15"/>
+          <p:cNvPr id="3" name="Imagem 2"/>
           <p:cNvPicPr>
             <a:picLocks noChangeAspect="1"/>
           </p:cNvPicPr>
@@ -4946,47 +5102,38 @@
         </p:blipFill>
         <p:spPr>
           <a:xfrm>
-            <a:off x="11465521" y="5884658"/>
-            <a:ext cx="463058" cy="402252"/>
+            <a:off x="303355" y="5344023"/>
+            <a:ext cx="2287181" cy="927306"/>
           </a:xfrm>
           <a:prstGeom prst="rect">
             <a:avLst/>
           </a:prstGeom>
         </p:spPr>
       </p:pic>
-      <p:sp>
-        <p:nvSpPr>
-          <p:cNvPr id="17" name="Título 1">
-            <a:extLst>
-              <a:ext uri="{FF2B5EF4-FFF2-40B4-BE49-F238E27FC236}">
-                <a16:creationId xmlns:a16="http://schemas.microsoft.com/office/drawing/2014/main" id="{A61094E4-01FE-45AB-AEEE-320EAD26FABD}"/>
-              </a:ext>
-            </a:extLst>
-          </p:cNvPr>
-          <p:cNvSpPr>
-            <a:spLocks noGrp="1"/>
-          </p:cNvSpPr>
-          <p:nvPr>
-            <p:ph type="title"/>
-          </p:nvPr>
-        </p:nvSpPr>
-        <p:spPr>
-          <a:xfrm>
-            <a:off x="1097280" y="286603"/>
-            <a:ext cx="10058400" cy="1450757"/>
-          </a:xfrm>
-        </p:spPr>
-        <p:txBody>
-          <a:bodyPr/>
-          <a:lstStyle/>
-          <a:p>
-            <a:r>
-              <a:rPr lang="pt-BR" dirty="0"/>
-              <a:t>Tecnologias Utilizadas</a:t>
-            </a:r>
-          </a:p>
-        </p:txBody>
-      </p:sp>
+      <p:pic>
+        <p:nvPicPr>
+          <p:cNvPr id="19" name="Imagem 18"/>
+          <p:cNvPicPr>
+            <a:picLocks noChangeAspect="1"/>
+          </p:cNvPicPr>
+          <p:nvPr/>
+        </p:nvPicPr>
+        <p:blipFill>
+          <a:blip r:embed="rId14"/>
+          <a:stretch>
+            <a:fillRect/>
+          </a:stretch>
+        </p:blipFill>
+        <p:spPr>
+          <a:xfrm>
+            <a:off x="624362" y="2576593"/>
+            <a:ext cx="2654137" cy="3022909"/>
+          </a:xfrm>
+          <a:prstGeom prst="rect">
+            <a:avLst/>
+          </a:prstGeom>
+        </p:spPr>
+      </p:pic>
     </p:spTree>
     <p:extLst>
       <p:ext uri="{BB962C8B-B14F-4D97-AF65-F5344CB8AC3E}">
@@ -5000,7 +5147,444 @@
 </p:sld>
 </file>
 
-<file path=ppt/slides/slide6.xml><?xml version="1.0" encoding="utf-8"?>
+<file path=ppt/slides/slide7.xml><?xml version="1.0" encoding="utf-8"?>
+<p:sld xmlns:a="http://schemas.openxmlformats.org/drawingml/2006/main" xmlns:r="http://schemas.openxmlformats.org/officeDocument/2006/relationships" xmlns:p="http://schemas.openxmlformats.org/presentationml/2006/main">
+  <p:cSld>
+    <p:spTree>
+      <p:nvGrpSpPr>
+        <p:cNvPr id="1" name=""/>
+        <p:cNvGrpSpPr/>
+        <p:nvPr/>
+      </p:nvGrpSpPr>
+      <p:grpSpPr>
+        <a:xfrm>
+          <a:off x="0" y="0"/>
+          <a:ext cx="0" cy="0"/>
+          <a:chOff x="0" y="0"/>
+          <a:chExt cx="0" cy="0"/>
+        </a:xfrm>
+      </p:grpSpPr>
+      <p:sp>
+        <p:nvSpPr>
+          <p:cNvPr id="2" name="Título 1"/>
+          <p:cNvSpPr>
+            <a:spLocks noGrp="1"/>
+          </p:cNvSpPr>
+          <p:nvPr>
+            <p:ph type="title"/>
+          </p:nvPr>
+        </p:nvSpPr>
+        <p:spPr/>
+        <p:txBody>
+          <a:bodyPr/>
+          <a:lstStyle/>
+          <a:p>
+            <a:r>
+              <a:rPr lang="pt-BR" dirty="0"/>
+              <a:t>Divisão de tarefas</a:t>
+            </a:r>
+          </a:p>
+        </p:txBody>
+      </p:sp>
+      <p:pic>
+        <p:nvPicPr>
+          <p:cNvPr id="6" name="Espaço Reservado para Conteúdo 5"/>
+          <p:cNvPicPr>
+            <a:picLocks noGrp="1" noChangeAspect="1"/>
+          </p:cNvPicPr>
+          <p:nvPr>
+            <p:ph sz="half" idx="1"/>
+          </p:nvPr>
+        </p:nvPicPr>
+        <p:blipFill>
+          <a:blip r:embed="rId2"/>
+          <a:stretch>
+            <a:fillRect/>
+          </a:stretch>
+        </p:blipFill>
+        <p:spPr>
+          <a:xfrm>
+            <a:off x="1479186" y="1963951"/>
+            <a:ext cx="1650288" cy="2020493"/>
+          </a:xfrm>
+        </p:spPr>
+      </p:pic>
+      <p:pic>
+        <p:nvPicPr>
+          <p:cNvPr id="12" name="Espaço Reservado para Conteúdo 11"/>
+          <p:cNvPicPr>
+            <a:picLocks noGrp="1" noChangeAspect="1"/>
+          </p:cNvPicPr>
+          <p:nvPr>
+            <p:ph sz="half" idx="2"/>
+          </p:nvPr>
+        </p:nvPicPr>
+        <p:blipFill>
+          <a:blip r:embed="rId3"/>
+          <a:stretch>
+            <a:fillRect/>
+          </a:stretch>
+        </p:blipFill>
+        <p:spPr>
+          <a:xfrm>
+            <a:off x="6890663" y="1777327"/>
+            <a:ext cx="2067986" cy="2207118"/>
+          </a:xfrm>
+        </p:spPr>
+      </p:pic>
+      <p:sp>
+        <p:nvSpPr>
+          <p:cNvPr id="7" name="Retângulo 6"/>
+          <p:cNvSpPr/>
+          <p:nvPr/>
+        </p:nvSpPr>
+        <p:spPr>
+          <a:xfrm>
+            <a:off x="3129474" y="2604999"/>
+            <a:ext cx="6096000" cy="369332"/>
+          </a:xfrm>
+          <a:prstGeom prst="rect">
+            <a:avLst/>
+          </a:prstGeom>
+        </p:spPr>
+        <p:txBody>
+          <a:bodyPr>
+            <a:spAutoFit/>
+          </a:bodyPr>
+          <a:lstStyle/>
+          <a:p>
+            <a:r>
+              <a:rPr lang="pt-BR" dirty="0">
+                <a:solidFill>
+                  <a:schemeClr val="tx1">
+                    <a:lumMod val="65000"/>
+                    <a:lumOff val="35000"/>
+                  </a:schemeClr>
+                </a:solidFill>
+                <a:effectLst>
+                  <a:outerShdw blurRad="38100" dist="38100" dir="2700000" algn="tl">
+                    <a:srgbClr val="000000">
+                      <a:alpha val="43137"/>
+                    </a:srgbClr>
+                  </a:outerShdw>
+                </a:effectLst>
+              </a:rPr>
+              <a:t>DBA</a:t>
+            </a:r>
+          </a:p>
+        </p:txBody>
+      </p:sp>
+      <p:pic>
+        <p:nvPicPr>
+          <p:cNvPr id="9" name="Imagem 8"/>
+          <p:cNvPicPr>
+            <a:picLocks noChangeAspect="1"/>
+          </p:cNvPicPr>
+          <p:nvPr/>
+        </p:nvPicPr>
+        <p:blipFill>
+          <a:blip r:embed="rId4"/>
+          <a:stretch>
+            <a:fillRect/>
+          </a:stretch>
+        </p:blipFill>
+        <p:spPr>
+          <a:xfrm>
+            <a:off x="1479186" y="4005664"/>
+            <a:ext cx="1845648" cy="2194127"/>
+          </a:xfrm>
+          <a:prstGeom prst="rect">
+            <a:avLst/>
+          </a:prstGeom>
+        </p:spPr>
+      </p:pic>
+      <p:sp>
+        <p:nvSpPr>
+          <p:cNvPr id="10" name="Retângulo 9"/>
+          <p:cNvSpPr/>
+          <p:nvPr/>
+        </p:nvSpPr>
+        <p:spPr>
+          <a:xfrm>
+            <a:off x="3129474" y="4878095"/>
+            <a:ext cx="6096000" cy="369332"/>
+          </a:xfrm>
+          <a:prstGeom prst="rect">
+            <a:avLst/>
+          </a:prstGeom>
+        </p:spPr>
+        <p:txBody>
+          <a:bodyPr>
+            <a:spAutoFit/>
+          </a:bodyPr>
+          <a:lstStyle/>
+          <a:p>
+            <a:r>
+              <a:rPr lang="pt-BR" dirty="0">
+                <a:solidFill>
+                  <a:schemeClr val="tx1">
+                    <a:lumMod val="65000"/>
+                    <a:lumOff val="35000"/>
+                  </a:schemeClr>
+                </a:solidFill>
+                <a:effectLst>
+                  <a:outerShdw blurRad="38100" dist="38100" dir="2700000" algn="tl">
+                    <a:srgbClr val="000000">
+                      <a:alpha val="43137"/>
+                    </a:srgbClr>
+                  </a:outerShdw>
+                </a:effectLst>
+              </a:rPr>
+              <a:t>Systems </a:t>
+            </a:r>
+            <a:r>
+              <a:rPr lang="pt-BR" dirty="0" err="1">
+                <a:solidFill>
+                  <a:schemeClr val="tx1">
+                    <a:lumMod val="65000"/>
+                    <a:lumOff val="35000"/>
+                  </a:schemeClr>
+                </a:solidFill>
+                <a:effectLst>
+                  <a:outerShdw blurRad="38100" dist="38100" dir="2700000" algn="tl">
+                    <a:srgbClr val="000000">
+                      <a:alpha val="43137"/>
+                    </a:srgbClr>
+                  </a:outerShdw>
+                </a:effectLst>
+              </a:rPr>
+              <a:t>Analyst</a:t>
+            </a:r>
+            <a:endParaRPr lang="pt-BR" dirty="0">
+              <a:solidFill>
+                <a:schemeClr val="tx1">
+                  <a:lumMod val="65000"/>
+                  <a:lumOff val="35000"/>
+                </a:schemeClr>
+              </a:solidFill>
+              <a:effectLst>
+                <a:outerShdw blurRad="38100" dist="38100" dir="2700000" algn="tl">
+                  <a:srgbClr val="000000">
+                    <a:alpha val="43137"/>
+                  </a:srgbClr>
+                </a:outerShdw>
+              </a:effectLst>
+            </a:endParaRPr>
+          </a:p>
+        </p:txBody>
+      </p:sp>
+      <p:sp>
+        <p:nvSpPr>
+          <p:cNvPr id="14" name="Retângulo 13"/>
+          <p:cNvSpPr/>
+          <p:nvPr/>
+        </p:nvSpPr>
+        <p:spPr>
+          <a:xfrm>
+            <a:off x="8817701" y="2789531"/>
+            <a:ext cx="6096000" cy="369332"/>
+          </a:xfrm>
+          <a:prstGeom prst="rect">
+            <a:avLst/>
+          </a:prstGeom>
+        </p:spPr>
+        <p:txBody>
+          <a:bodyPr>
+            <a:spAutoFit/>
+          </a:bodyPr>
+          <a:lstStyle/>
+          <a:p>
+            <a:r>
+              <a:rPr lang="pt-BR" dirty="0">
+                <a:solidFill>
+                  <a:schemeClr val="tx1">
+                    <a:lumMod val="65000"/>
+                    <a:lumOff val="35000"/>
+                  </a:schemeClr>
+                </a:solidFill>
+                <a:effectLst>
+                  <a:outerShdw blurRad="38100" dist="38100" dir="2700000" algn="tl">
+                    <a:srgbClr val="000000">
+                      <a:alpha val="43137"/>
+                    </a:srgbClr>
+                  </a:outerShdw>
+                </a:effectLst>
+              </a:rPr>
+              <a:t>Systems </a:t>
+            </a:r>
+            <a:r>
+              <a:rPr lang="pt-BR" dirty="0" err="1">
+                <a:solidFill>
+                  <a:schemeClr val="tx1">
+                    <a:lumMod val="65000"/>
+                    <a:lumOff val="35000"/>
+                  </a:schemeClr>
+                </a:solidFill>
+                <a:effectLst>
+                  <a:outerShdw blurRad="38100" dist="38100" dir="2700000" algn="tl">
+                    <a:srgbClr val="000000">
+                      <a:alpha val="43137"/>
+                    </a:srgbClr>
+                  </a:outerShdw>
+                </a:effectLst>
+              </a:rPr>
+              <a:t>Analyst</a:t>
+            </a:r>
+            <a:endParaRPr lang="pt-BR" dirty="0">
+              <a:solidFill>
+                <a:schemeClr val="tx1">
+                  <a:lumMod val="65000"/>
+                  <a:lumOff val="35000"/>
+                </a:schemeClr>
+              </a:solidFill>
+              <a:effectLst>
+                <a:outerShdw blurRad="38100" dist="38100" dir="2700000" algn="tl">
+                  <a:srgbClr val="000000">
+                    <a:alpha val="43137"/>
+                  </a:srgbClr>
+                </a:outerShdw>
+              </a:effectLst>
+            </a:endParaRPr>
+          </a:p>
+        </p:txBody>
+      </p:sp>
+      <p:pic>
+        <p:nvPicPr>
+          <p:cNvPr id="16" name="Imagem 15"/>
+          <p:cNvPicPr>
+            <a:picLocks noChangeAspect="1"/>
+          </p:cNvPicPr>
+          <p:nvPr/>
+        </p:nvPicPr>
+        <p:blipFill>
+          <a:blip r:embed="rId5"/>
+          <a:stretch>
+            <a:fillRect/>
+          </a:stretch>
+        </p:blipFill>
+        <p:spPr>
+          <a:xfrm>
+            <a:off x="7055425" y="4206550"/>
+            <a:ext cx="1903224" cy="1993241"/>
+          </a:xfrm>
+          <a:prstGeom prst="rect">
+            <a:avLst/>
+          </a:prstGeom>
+        </p:spPr>
+      </p:pic>
+      <p:sp>
+        <p:nvSpPr>
+          <p:cNvPr id="17" name="Retângulo 16"/>
+          <p:cNvSpPr/>
+          <p:nvPr/>
+        </p:nvSpPr>
+        <p:spPr>
+          <a:xfrm>
+            <a:off x="8728801" y="4918061"/>
+            <a:ext cx="6096000" cy="369332"/>
+          </a:xfrm>
+          <a:prstGeom prst="rect">
+            <a:avLst/>
+          </a:prstGeom>
+        </p:spPr>
+        <p:txBody>
+          <a:bodyPr>
+            <a:spAutoFit/>
+          </a:bodyPr>
+          <a:lstStyle/>
+          <a:p>
+            <a:r>
+              <a:rPr lang="pt-BR" dirty="0">
+                <a:solidFill>
+                  <a:schemeClr val="tx1">
+                    <a:lumMod val="65000"/>
+                    <a:lumOff val="35000"/>
+                  </a:schemeClr>
+                </a:solidFill>
+                <a:effectLst>
+                  <a:outerShdw blurRad="38100" dist="38100" dir="2700000" algn="tl">
+                    <a:srgbClr val="000000">
+                      <a:alpha val="43137"/>
+                    </a:srgbClr>
+                  </a:outerShdw>
+                </a:effectLst>
+              </a:rPr>
+              <a:t>Systems </a:t>
+            </a:r>
+            <a:r>
+              <a:rPr lang="pt-BR" dirty="0" err="1">
+                <a:solidFill>
+                  <a:schemeClr val="tx1">
+                    <a:lumMod val="65000"/>
+                    <a:lumOff val="35000"/>
+                  </a:schemeClr>
+                </a:solidFill>
+                <a:effectLst>
+                  <a:outerShdw blurRad="38100" dist="38100" dir="2700000" algn="tl">
+                    <a:srgbClr val="000000">
+                      <a:alpha val="43137"/>
+                    </a:srgbClr>
+                  </a:outerShdw>
+                </a:effectLst>
+              </a:rPr>
+              <a:t>Analyst</a:t>
+            </a:r>
+            <a:endParaRPr lang="pt-BR" dirty="0">
+              <a:solidFill>
+                <a:schemeClr val="tx1">
+                  <a:lumMod val="65000"/>
+                  <a:lumOff val="35000"/>
+                </a:schemeClr>
+              </a:solidFill>
+              <a:effectLst>
+                <a:outerShdw blurRad="38100" dist="38100" dir="2700000" algn="tl">
+                  <a:srgbClr val="000000">
+                    <a:alpha val="43137"/>
+                  </a:srgbClr>
+                </a:outerShdw>
+              </a:effectLst>
+            </a:endParaRPr>
+          </a:p>
+        </p:txBody>
+      </p:sp>
+      <p:pic>
+        <p:nvPicPr>
+          <p:cNvPr id="18" name="Imagem 17"/>
+          <p:cNvPicPr>
+            <a:picLocks noChangeAspect="1"/>
+          </p:cNvPicPr>
+          <p:nvPr/>
+        </p:nvPicPr>
+        <p:blipFill>
+          <a:blip r:embed="rId6"/>
+          <a:stretch>
+            <a:fillRect/>
+          </a:stretch>
+        </p:blipFill>
+        <p:spPr>
+          <a:xfrm>
+            <a:off x="11590518" y="5807676"/>
+            <a:ext cx="463058" cy="402252"/>
+          </a:xfrm>
+          <a:prstGeom prst="rect">
+            <a:avLst/>
+          </a:prstGeom>
+        </p:spPr>
+      </p:pic>
+    </p:spTree>
+    <p:extLst>
+      <p:ext uri="{BB962C8B-B14F-4D97-AF65-F5344CB8AC3E}">
+        <p14:creationId xmlns:p14="http://schemas.microsoft.com/office/powerpoint/2010/main" val="2353119617"/>
+      </p:ext>
+    </p:extLst>
+  </p:cSld>
+  <p:clrMapOvr>
+    <a:masterClrMapping/>
+  </p:clrMapOvr>
+</p:sld>
+</file>
+
+<file path=ppt/slides/slide8.xml><?xml version="1.0" encoding="utf-8"?>
 <p:sld xmlns:a="http://schemas.openxmlformats.org/drawingml/2006/main" xmlns:r="http://schemas.openxmlformats.org/officeDocument/2006/relationships" xmlns:p="http://schemas.openxmlformats.org/presentationml/2006/main">
   <p:cSld>
     <p:spTree>
